--- a/Angol/school_AA_CSP.pptx
+++ b/Angol/school_AA_CSP.pptx
@@ -274,7 +274,7 @@
           <a:p>
             <a:fld id="{A30E4F87-404D-4CF8-9800-BBD0513DA225}" type="datetimeFigureOut">
               <a:rPr lang="hu-HU" smtClean="0"/>
-              <a:t>2024. 01. 25.</a:t>
+              <a:t>2024. 05. 02.</a:t>
             </a:fld>
             <a:endParaRPr lang="hu-HU"/>
           </a:p>
@@ -474,7 +474,7 @@
           <a:p>
             <a:fld id="{A30E4F87-404D-4CF8-9800-BBD0513DA225}" type="datetimeFigureOut">
               <a:rPr lang="hu-HU" smtClean="0"/>
-              <a:t>2024. 01. 25.</a:t>
+              <a:t>2024. 05. 02.</a:t>
             </a:fld>
             <a:endParaRPr lang="hu-HU"/>
           </a:p>
@@ -684,7 +684,7 @@
           <a:p>
             <a:fld id="{A30E4F87-404D-4CF8-9800-BBD0513DA225}" type="datetimeFigureOut">
               <a:rPr lang="hu-HU" smtClean="0"/>
-              <a:t>2024. 01. 25.</a:t>
+              <a:t>2024. 05. 02.</a:t>
             </a:fld>
             <a:endParaRPr lang="hu-HU"/>
           </a:p>
@@ -884,7 +884,7 @@
           <a:p>
             <a:fld id="{A30E4F87-404D-4CF8-9800-BBD0513DA225}" type="datetimeFigureOut">
               <a:rPr lang="hu-HU" smtClean="0"/>
-              <a:t>2024. 01. 25.</a:t>
+              <a:t>2024. 05. 02.</a:t>
             </a:fld>
             <a:endParaRPr lang="hu-HU"/>
           </a:p>
@@ -1160,7 +1160,7 @@
           <a:p>
             <a:fld id="{A30E4F87-404D-4CF8-9800-BBD0513DA225}" type="datetimeFigureOut">
               <a:rPr lang="hu-HU" smtClean="0"/>
-              <a:t>2024. 01. 25.</a:t>
+              <a:t>2024. 05. 02.</a:t>
             </a:fld>
             <a:endParaRPr lang="hu-HU"/>
           </a:p>
@@ -1428,7 +1428,7 @@
           <a:p>
             <a:fld id="{A30E4F87-404D-4CF8-9800-BBD0513DA225}" type="datetimeFigureOut">
               <a:rPr lang="hu-HU" smtClean="0"/>
-              <a:t>2024. 01. 25.</a:t>
+              <a:t>2024. 05. 02.</a:t>
             </a:fld>
             <a:endParaRPr lang="hu-HU"/>
           </a:p>
@@ -1843,7 +1843,7 @@
           <a:p>
             <a:fld id="{A30E4F87-404D-4CF8-9800-BBD0513DA225}" type="datetimeFigureOut">
               <a:rPr lang="hu-HU" smtClean="0"/>
-              <a:t>2024. 01. 25.</a:t>
+              <a:t>2024. 05. 02.</a:t>
             </a:fld>
             <a:endParaRPr lang="hu-HU"/>
           </a:p>
@@ -1985,7 +1985,7 @@
           <a:p>
             <a:fld id="{A30E4F87-404D-4CF8-9800-BBD0513DA225}" type="datetimeFigureOut">
               <a:rPr lang="hu-HU" smtClean="0"/>
-              <a:t>2024. 01. 25.</a:t>
+              <a:t>2024. 05. 02.</a:t>
             </a:fld>
             <a:endParaRPr lang="hu-HU"/>
           </a:p>
@@ -2098,7 +2098,7 @@
           <a:p>
             <a:fld id="{A30E4F87-404D-4CF8-9800-BBD0513DA225}" type="datetimeFigureOut">
               <a:rPr lang="hu-HU" smtClean="0"/>
-              <a:t>2024. 01. 25.</a:t>
+              <a:t>2024. 05. 02.</a:t>
             </a:fld>
             <a:endParaRPr lang="hu-HU"/>
           </a:p>
@@ -2411,7 +2411,7 @@
           <a:p>
             <a:fld id="{A30E4F87-404D-4CF8-9800-BBD0513DA225}" type="datetimeFigureOut">
               <a:rPr lang="hu-HU" smtClean="0"/>
-              <a:t>2024. 01. 25.</a:t>
+              <a:t>2024. 05. 02.</a:t>
             </a:fld>
             <a:endParaRPr lang="hu-HU"/>
           </a:p>
@@ -2700,7 +2700,7 @@
           <a:p>
             <a:fld id="{A30E4F87-404D-4CF8-9800-BBD0513DA225}" type="datetimeFigureOut">
               <a:rPr lang="hu-HU" smtClean="0"/>
-              <a:t>2024. 01. 25.</a:t>
+              <a:t>2024. 05. 02.</a:t>
             </a:fld>
             <a:endParaRPr lang="hu-HU"/>
           </a:p>
@@ -2943,7 +2943,7 @@
           <a:p>
             <a:fld id="{A30E4F87-404D-4CF8-9800-BBD0513DA225}" type="datetimeFigureOut">
               <a:rPr lang="hu-HU" smtClean="0"/>
-              <a:t>2024. 01. 25.</a:t>
+              <a:t>2024. 05. 02.</a:t>
             </a:fld>
             <a:endParaRPr lang="hu-HU"/>
           </a:p>
@@ -14396,8 +14396,49 @@
                 <a:ea typeface="Segoe UI Historic"/>
                 <a:cs typeface="Segoe UI Historic"/>
               </a:rPr>
-              <a:t>- More individual attention from teacherts</a:t>
+              <a:t>- More individual attention </a:t>
             </a:r>
+            <a:r>
+              <a:rPr lang="hu-HU" sz="1700" dirty="0" err="1">
+                <a:solidFill>
+                  <a:schemeClr val="bg1"/>
+                </a:solidFill>
+                <a:latin typeface="Segoe UI Historic"/>
+                <a:ea typeface="Segoe UI Historic"/>
+                <a:cs typeface="Segoe UI Historic"/>
+              </a:rPr>
+              <a:t>from</a:t>
+            </a:r>
+            <a:r>
+              <a:rPr lang="hu-HU" sz="1700" dirty="0">
+                <a:solidFill>
+                  <a:schemeClr val="bg1"/>
+                </a:solidFill>
+                <a:latin typeface="Segoe UI Historic"/>
+                <a:ea typeface="Segoe UI Historic"/>
+                <a:cs typeface="Segoe UI Historic"/>
+              </a:rPr>
+              <a:t> </a:t>
+            </a:r>
+            <a:r>
+              <a:rPr lang="hu-HU" sz="1700" dirty="0" err="1">
+                <a:solidFill>
+                  <a:schemeClr val="bg1"/>
+                </a:solidFill>
+                <a:latin typeface="Segoe UI Historic"/>
+                <a:ea typeface="Segoe UI Historic"/>
+                <a:cs typeface="Segoe UI Historic"/>
+              </a:rPr>
+              <a:t>teachers</a:t>
+            </a:r>
+            <a:endParaRPr lang="hu-HU" sz="1700" dirty="0">
+              <a:solidFill>
+                <a:schemeClr val="bg1"/>
+              </a:solidFill>
+              <a:latin typeface="Segoe UI Historic"/>
+              <a:ea typeface="Segoe UI Historic"/>
+              <a:cs typeface="Segoe UI Historic"/>
+            </a:endParaRPr>
           </a:p>
           <a:p>
             <a:r>
